--- a/1. Core Java 8/Day 1/Slides/2. Creating Your First Java App/creating-your-first-java-app-slides.pptx
+++ b/1. Core Java 8/Day 1/Slides/2. Creating Your First Java App/creating-your-first-java-app-slides.pptx
@@ -8045,28 +8045,6 @@
           <a:p/>
         </p:txBody>
       </p:sp>
-      <p:pic>
-        <p:nvPicPr>
-          <p:cNvPr id="3" name="object 3"/>
-          <p:cNvPicPr/>
-          <p:nvPr/>
-        </p:nvPicPr>
-        <p:blipFill>
-          <a:blip r:embed="rId1" cstate="print"/>
-          <a:stretch>
-            <a:fillRect/>
-          </a:stretch>
-        </p:blipFill>
-        <p:spPr>
-          <a:xfrm>
-            <a:off x="11484864" y="6149340"/>
-            <a:ext cx="451103" cy="449580"/>
-          </a:xfrm>
-          <a:prstGeom prst="rect">
-            <a:avLst/>
-          </a:prstGeom>
-        </p:spPr>
-      </p:pic>
       <p:sp>
         <p:nvSpPr>
           <p:cNvPr id="4" name="object 4"/>
@@ -8589,7 +8567,7 @@
           <p:nvPr/>
         </p:nvPicPr>
         <p:blipFill>
-          <a:blip r:embed="rId2" cstate="print"/>
+          <a:blip r:embed="rId1" cstate="print"/>
           <a:stretch>
             <a:fillRect/>
           </a:stretch>
